--- a/slides/talk2_linux_intro.pptx
+++ b/slides/talk2_linux_intro.pptx
@@ -267,7 +267,7 @@
           <a:p>
             <a:fld id="{FA07BF5F-D5F5-493D-80B4-A83F236FC1CC}" type="datetimeFigureOut">
               <a:rPr lang="es-ES" smtClean="0"/>
-              <a:t>21/05/2023</a:t>
+              <a:t>16/05/2024</a:t>
             </a:fld>
             <a:endParaRPr lang="es-ES"/>
           </a:p>
@@ -425,7 +425,7 @@
           <a:p>
             <a:fld id="{841D9EDC-506A-4A8A-A1DF-A717CC939618}" type="slidenum">
               <a:rPr lang="es-ES" smtClean="0"/>
-              <a:t>‹Nº›</a:t>
+              <a:t>‹#›</a:t>
             </a:fld>
             <a:endParaRPr lang="es-ES"/>
           </a:p>
@@ -12007,7 +12007,7 @@
           <a:p>
             <a:fld id="{DD18BE11-CAC0-41C0-BEC2-9926CE80C6A6}" type="slidenum">
               <a:rPr lang="es-ES" smtClean="0"/>
-              <a:t>‹Nº›</a:t>
+              <a:t>‹#›</a:t>
             </a:fld>
             <a:endParaRPr lang="es-ES"/>
           </a:p>
@@ -12178,7 +12178,7 @@
           <a:p>
             <a:fld id="{DD18BE11-CAC0-41C0-BEC2-9926CE80C6A6}" type="slidenum">
               <a:rPr lang="es-ES" smtClean="0"/>
-              <a:t>‹Nº›</a:t>
+              <a:t>‹#›</a:t>
             </a:fld>
             <a:endParaRPr lang="es-ES"/>
           </a:p>
@@ -12359,7 +12359,7 @@
           <a:p>
             <a:fld id="{DD18BE11-CAC0-41C0-BEC2-9926CE80C6A6}" type="slidenum">
               <a:rPr lang="es-ES" smtClean="0"/>
-              <a:t>‹Nº›</a:t>
+              <a:t>‹#›</a:t>
             </a:fld>
             <a:endParaRPr lang="es-ES"/>
           </a:p>
@@ -12532,7 +12532,7 @@
           <a:p>
             <a:fld id="{B6F15528-21DE-4FAA-801E-634DDDAF4B2B}" type="slidenum">
               <a:rPr lang="es-ES" smtClean="0"/>
-              <a:t>‹Nº›</a:t>
+              <a:t>‹#›</a:t>
             </a:fld>
             <a:endParaRPr lang="es-ES"/>
           </a:p>
@@ -12793,7 +12793,7 @@
           <a:p>
             <a:fld id="{DD18BE11-CAC0-41C0-BEC2-9926CE80C6A6}" type="slidenum">
               <a:rPr lang="es-ES" smtClean="0"/>
-              <a:t>‹Nº›</a:t>
+              <a:t>‹#›</a:t>
             </a:fld>
             <a:endParaRPr lang="es-ES"/>
           </a:p>
@@ -13041,7 +13041,7 @@
           <a:p>
             <a:fld id="{DD18BE11-CAC0-41C0-BEC2-9926CE80C6A6}" type="slidenum">
               <a:rPr lang="es-ES" smtClean="0"/>
-              <a:t>‹Nº›</a:t>
+              <a:t>‹#›</a:t>
             </a:fld>
             <a:endParaRPr lang="es-ES"/>
           </a:p>
@@ -13374,7 +13374,7 @@
           <a:p>
             <a:fld id="{DD18BE11-CAC0-41C0-BEC2-9926CE80C6A6}" type="slidenum">
               <a:rPr lang="es-ES" smtClean="0"/>
-              <a:t>‹Nº›</a:t>
+              <a:t>‹#›</a:t>
             </a:fld>
             <a:endParaRPr lang="es-ES"/>
           </a:p>
@@ -13796,7 +13796,7 @@
           <a:p>
             <a:fld id="{DD18BE11-CAC0-41C0-BEC2-9926CE80C6A6}" type="slidenum">
               <a:rPr lang="es-ES" smtClean="0"/>
-              <a:t>‹Nº›</a:t>
+              <a:t>‹#›</a:t>
             </a:fld>
             <a:endParaRPr lang="es-ES"/>
           </a:p>
@@ -13916,7 +13916,7 @@
           <a:p>
             <a:fld id="{DD18BE11-CAC0-41C0-BEC2-9926CE80C6A6}" type="slidenum">
               <a:rPr lang="es-ES" smtClean="0"/>
-              <a:t>‹Nº›</a:t>
+              <a:t>‹#›</a:t>
             </a:fld>
             <a:endParaRPr lang="es-ES"/>
           </a:p>
@@ -14014,7 +14014,7 @@
           <a:p>
             <a:fld id="{DD18BE11-CAC0-41C0-BEC2-9926CE80C6A6}" type="slidenum">
               <a:rPr lang="es-ES" smtClean="0"/>
-              <a:t>‹Nº›</a:t>
+              <a:t>‹#›</a:t>
             </a:fld>
             <a:endParaRPr lang="es-ES"/>
           </a:p>
@@ -14292,7 +14292,7 @@
           <a:p>
             <a:fld id="{DD18BE11-CAC0-41C0-BEC2-9926CE80C6A6}" type="slidenum">
               <a:rPr lang="es-ES" smtClean="0"/>
-              <a:t>‹Nº›</a:t>
+              <a:t>‹#›</a:t>
             </a:fld>
             <a:endParaRPr lang="es-ES"/>
           </a:p>
@@ -14547,7 +14547,7 @@
           <a:p>
             <a:fld id="{DD18BE11-CAC0-41C0-BEC2-9926CE80C6A6}" type="slidenum">
               <a:rPr lang="es-ES" smtClean="0"/>
-              <a:t>‹Nº›</a:t>
+              <a:t>‹#›</a:t>
             </a:fld>
             <a:endParaRPr lang="es-ES"/>
           </a:p>
@@ -14797,7 +14797,7 @@
           <a:p>
             <a:fld id="{DD18BE11-CAC0-41C0-BEC2-9926CE80C6A6}" type="slidenum">
               <a:rPr lang="es-ES" smtClean="0"/>
-              <a:t>‹Nº›</a:t>
+              <a:t>‹#›</a:t>
             </a:fld>
             <a:endParaRPr lang="es-ES"/>
           </a:p>
@@ -15633,7 +15633,7 @@
             <a:pPr algn="ctr"/>
             <a:r>
               <a:rPr lang="es-ES" dirty="0"/>
-              <a:t>22-26 Mayo 2023, 10ª Edición</a:t>
+              <a:t>20-24 Mayo 2024, 10ª Edición</a:t>
             </a:r>
           </a:p>
           <a:p>
@@ -15673,7 +15673,7 @@
           <a:p>
             <a:r>
               <a:rPr lang="en-US" dirty="0"/>
-              <a:t>22/05/2023</a:t>
+              <a:t>20/05/2024</a:t>
             </a:r>
             <a:endParaRPr lang="es-ES" dirty="0"/>
           </a:p>
@@ -16074,7 +16074,7 @@
           <a:p>
             <a:r>
               <a:rPr lang="en-US" dirty="0"/>
-              <a:t>22/05/2023</a:t>
+              <a:t>20/05/2024</a:t>
             </a:r>
             <a:endParaRPr lang="es-ES" dirty="0"/>
           </a:p>
@@ -16382,7 +16382,7 @@
           <a:p>
             <a:r>
               <a:rPr lang="en-US" dirty="0"/>
-              <a:t>22/05/2023</a:t>
+              <a:t>20/05/2024</a:t>
             </a:r>
             <a:endParaRPr lang="es-ES" dirty="0"/>
           </a:p>
@@ -16612,7 +16612,7 @@
           <a:p>
             <a:r>
               <a:rPr lang="en-US" dirty="0"/>
-              <a:t>22/05/2023</a:t>
+              <a:t>20/05/2024</a:t>
             </a:r>
             <a:endParaRPr lang="es-ES" dirty="0"/>
           </a:p>
@@ -16816,7 +16816,7 @@
           <a:p>
             <a:r>
               <a:rPr lang="en-US" dirty="0"/>
-              <a:t>22/05/2023</a:t>
+              <a:t>20/05/2024</a:t>
             </a:r>
             <a:endParaRPr lang="es-ES" dirty="0"/>
           </a:p>
@@ -17119,7 +17119,7 @@
           <a:p>
             <a:r>
               <a:rPr lang="en-US" dirty="0"/>
-              <a:t>22/05/2023</a:t>
+              <a:t>20/05/2024</a:t>
             </a:r>
             <a:endParaRPr lang="es-ES" dirty="0"/>
           </a:p>
@@ -17427,7 +17427,7 @@
           <a:p>
             <a:r>
               <a:rPr lang="en-US" dirty="0"/>
-              <a:t>22/05/2023</a:t>
+              <a:t>20/05/2024</a:t>
             </a:r>
             <a:endParaRPr lang="es-ES" dirty="0"/>
           </a:p>
@@ -17691,7 +17691,7 @@
           <a:p>
             <a:r>
               <a:rPr lang="en-US" dirty="0"/>
-              <a:t>22/05/2023</a:t>
+              <a:t>20/05/2024</a:t>
             </a:r>
             <a:endParaRPr lang="es-ES" dirty="0"/>
           </a:p>
@@ -17999,7 +17999,7 @@
           <a:p>
             <a:r>
               <a:rPr lang="en-US" dirty="0"/>
-              <a:t>22/05/2023</a:t>
+              <a:t>20/05/2024</a:t>
             </a:r>
             <a:endParaRPr lang="es-ES" dirty="0"/>
           </a:p>
@@ -18221,7 +18221,7 @@
           <a:p>
             <a:r>
               <a:rPr lang="en-US" dirty="0"/>
-              <a:t>22/05/2023</a:t>
+              <a:t>20/05/2024</a:t>
             </a:r>
             <a:endParaRPr lang="es-ES" dirty="0"/>
           </a:p>
@@ -18446,7 +18446,7 @@
           <a:p>
             <a:r>
               <a:rPr lang="en-US" dirty="0"/>
-              <a:t>22/05/2023</a:t>
+              <a:t>20/05/2024</a:t>
             </a:r>
             <a:endParaRPr lang="es-ES" dirty="0"/>
           </a:p>
@@ -18677,7 +18677,7 @@
           <a:p>
             <a:r>
               <a:rPr lang="en-US" dirty="0"/>
-              <a:t>22/05/2023</a:t>
+              <a:t>20/05/2024</a:t>
             </a:r>
             <a:endParaRPr lang="es-ES" dirty="0"/>
           </a:p>
@@ -19664,7 +19664,7 @@
           <a:p>
             <a:r>
               <a:rPr lang="en-US" dirty="0"/>
-              <a:t>22/05/2023</a:t>
+              <a:t>20/05/2024</a:t>
             </a:r>
             <a:endParaRPr lang="es-ES" dirty="0"/>
           </a:p>
@@ -20792,7 +20792,7 @@
           <a:p>
             <a:r>
               <a:rPr lang="en-US" dirty="0"/>
-              <a:t>22/05/2023</a:t>
+              <a:t>20/05/2024</a:t>
             </a:r>
             <a:endParaRPr lang="es-ES" dirty="0"/>
           </a:p>
@@ -21073,7 +21073,7 @@
           <a:p>
             <a:r>
               <a:rPr lang="en-US" dirty="0"/>
-              <a:t>22/05/2023</a:t>
+              <a:t>20/05/2024</a:t>
             </a:r>
             <a:endParaRPr lang="es-ES" dirty="0"/>
           </a:p>
@@ -21509,7 +21509,7 @@
           <a:p>
             <a:r>
               <a:rPr lang="en-US" dirty="0"/>
-              <a:t>22/05/2023</a:t>
+              <a:t>20/05/2024</a:t>
             </a:r>
             <a:endParaRPr lang="es-ES" dirty="0"/>
           </a:p>
@@ -21735,7 +21735,7 @@
           <a:p>
             <a:r>
               <a:rPr lang="en-US" dirty="0"/>
-              <a:t>22/05/2023</a:t>
+              <a:t>20/05/2024</a:t>
             </a:r>
             <a:endParaRPr lang="es-ES" dirty="0"/>
           </a:p>
@@ -21918,7 +21918,7 @@
           <a:p>
             <a:r>
               <a:rPr lang="en-US" dirty="0"/>
-              <a:t>22/05/2023</a:t>
+              <a:t>20/05/2024</a:t>
             </a:r>
             <a:endParaRPr lang="es-ES" dirty="0"/>
           </a:p>
@@ -22343,7 +22343,7 @@
           <a:p>
             <a:r>
               <a:rPr lang="en-US" dirty="0"/>
-              <a:t>22/05/2023</a:t>
+              <a:t>20/05/2024</a:t>
             </a:r>
             <a:endParaRPr lang="es-ES" dirty="0"/>
           </a:p>
@@ -22583,7 +22583,7 @@
           <a:p>
             <a:r>
               <a:rPr lang="en-US" dirty="0"/>
-              <a:t>22/05/2023</a:t>
+              <a:t>20/05/2024</a:t>
             </a:r>
             <a:endParaRPr lang="es-ES" dirty="0"/>
           </a:p>
@@ -22952,7 +22952,7 @@
           <a:p>
             <a:r>
               <a:rPr lang="en-US" dirty="0"/>
-              <a:t>22/05/2023</a:t>
+              <a:t>20/05/2024</a:t>
             </a:r>
             <a:endParaRPr lang="es-ES" dirty="0"/>
           </a:p>
@@ -23434,7 +23434,7 @@
           <a:p>
             <a:r>
               <a:rPr lang="en-US" dirty="0"/>
-              <a:t>22/05/2023</a:t>
+              <a:t>20/05/2024</a:t>
             </a:r>
             <a:endParaRPr lang="es-ES" dirty="0"/>
           </a:p>
@@ -23715,7 +23715,7 @@
           <a:p>
             <a:r>
               <a:rPr lang="en-US" dirty="0"/>
-              <a:t>22/05/2023</a:t>
+              <a:t>20/05/2024</a:t>
             </a:r>
             <a:endParaRPr lang="es-ES" dirty="0"/>
           </a:p>
@@ -24063,7 +24063,7 @@
           <a:p>
             <a:r>
               <a:rPr lang="en-US" dirty="0"/>
-              <a:t>22/05/2023</a:t>
+              <a:t>20/05/2024</a:t>
             </a:r>
             <a:endParaRPr lang="es-ES" dirty="0"/>
           </a:p>
@@ -26022,7 +26022,7 @@
           <a:p>
             <a:r>
               <a:rPr lang="en-US" dirty="0"/>
-              <a:t>22/05/2023</a:t>
+              <a:t>20/05/2024</a:t>
             </a:r>
             <a:endParaRPr lang="es-ES" dirty="0"/>
           </a:p>
@@ -26378,7 +26378,7 @@
           <a:p>
             <a:r>
               <a:rPr lang="en-US" dirty="0"/>
-              <a:t>22/05/2023</a:t>
+              <a:t>20/05/2024</a:t>
             </a:r>
             <a:endParaRPr lang="es-ES" dirty="0"/>
           </a:p>
@@ -27630,7 +27630,7 @@
           <a:p>
             <a:r>
               <a:rPr lang="en-US" dirty="0"/>
-              <a:t>22/05/2023</a:t>
+              <a:t>20/05/2024</a:t>
             </a:r>
             <a:endParaRPr lang="es-ES" dirty="0"/>
           </a:p>
@@ -27911,7 +27911,7 @@
           <a:p>
             <a:r>
               <a:rPr lang="en-US" dirty="0"/>
-              <a:t>22/05/2023</a:t>
+              <a:t>20/05/2024</a:t>
             </a:r>
             <a:endParaRPr lang="es-ES" dirty="0"/>
           </a:p>
@@ -28167,7 +28167,7 @@
           <a:p>
             <a:r>
               <a:rPr lang="en-US" dirty="0"/>
-              <a:t>22/05/2023</a:t>
+              <a:t>20/05/2024</a:t>
             </a:r>
             <a:endParaRPr lang="es-ES" dirty="0"/>
           </a:p>
@@ -28387,7 +28387,7 @@
           <a:p>
             <a:r>
               <a:rPr lang="en-US" dirty="0"/>
-              <a:t>22/05/2023</a:t>
+              <a:t>20/05/2024</a:t>
             </a:r>
             <a:endParaRPr lang="es-ES" dirty="0"/>
           </a:p>
@@ -30153,7 +30153,7 @@
           <a:p>
             <a:r>
               <a:rPr lang="en-US" dirty="0"/>
-              <a:t>22/05/2023</a:t>
+              <a:t>20/05/2024</a:t>
             </a:r>
             <a:endParaRPr lang="es-ES" dirty="0"/>
           </a:p>
@@ -30339,7 +30339,7 @@
           <a:p>
             <a:r>
               <a:rPr lang="en-US" dirty="0"/>
-              <a:t>22/05/2023</a:t>
+              <a:t>20/05/2024</a:t>
             </a:r>
             <a:endParaRPr lang="es-ES" dirty="0"/>
           </a:p>
@@ -30666,7 +30666,7 @@
           <a:p>
             <a:r>
               <a:rPr lang="en-US" dirty="0"/>
-              <a:t>22/05/2023</a:t>
+              <a:t>20/05/2024</a:t>
             </a:r>
             <a:endParaRPr lang="es-ES" dirty="0"/>
           </a:p>
@@ -30924,7 +30924,7 @@
           <a:p>
             <a:r>
               <a:rPr lang="en-US" dirty="0"/>
-              <a:t>22/05/2023</a:t>
+              <a:t>20/05/2024</a:t>
             </a:r>
             <a:endParaRPr lang="es-ES" dirty="0"/>
           </a:p>
@@ -31300,7 +31300,7 @@
           <a:p>
             <a:r>
               <a:rPr lang="en-US" dirty="0"/>
-              <a:t>22/05/2023</a:t>
+              <a:t>20/05/2024</a:t>
             </a:r>
             <a:endParaRPr lang="es-ES" dirty="0"/>
           </a:p>
@@ -31660,7 +31660,7 @@
           <a:p>
             <a:r>
               <a:rPr lang="en-US" dirty="0"/>
-              <a:t>22/05/2023</a:t>
+              <a:t>20/05/2024</a:t>
             </a:r>
             <a:endParaRPr lang="es-ES" dirty="0"/>
           </a:p>
@@ -31963,7 +31963,7 @@
           <a:p>
             <a:r>
               <a:rPr lang="en-US" dirty="0"/>
-              <a:t>22/05/2023</a:t>
+              <a:t>20/05/2024</a:t>
             </a:r>
             <a:endParaRPr lang="es-ES" dirty="0"/>
           </a:p>
@@ -32291,7 +32291,7 @@
           <a:p>
             <a:r>
               <a:rPr lang="en-US" dirty="0"/>
-              <a:t>22/05/2023</a:t>
+              <a:t>20/05/2024</a:t>
             </a:r>
             <a:endParaRPr lang="es-ES" dirty="0"/>
           </a:p>
@@ -32590,7 +32590,7 @@
           <a:p>
             <a:r>
               <a:rPr lang="en-US" dirty="0"/>
-              <a:t>22/05/2023</a:t>
+              <a:t>20/05/2024</a:t>
             </a:r>
             <a:endParaRPr lang="es-ES" dirty="0"/>
           </a:p>
@@ -32798,7 +32798,7 @@
           <a:p>
             <a:r>
               <a:rPr lang="en-US" dirty="0"/>
-              <a:t>22/05/2023</a:t>
+              <a:t>20/05/2024</a:t>
             </a:r>
             <a:endParaRPr lang="es-ES" dirty="0"/>
           </a:p>
@@ -33059,7 +33059,7 @@
           <a:p>
             <a:r>
               <a:rPr lang="en-US" dirty="0"/>
-              <a:t>22/05/2023</a:t>
+              <a:t>20/05/2024</a:t>
             </a:r>
             <a:endParaRPr lang="es-ES" dirty="0"/>
           </a:p>
@@ -33280,7 +33280,7 @@
           <a:p>
             <a:r>
               <a:rPr lang="en-US" dirty="0"/>
-              <a:t>22/05/2023</a:t>
+              <a:t>20/05/2024</a:t>
             </a:r>
             <a:endParaRPr lang="es-ES" dirty="0"/>
           </a:p>
@@ -33561,7 +33561,7 @@
           <a:p>
             <a:r>
               <a:rPr lang="en-US" dirty="0"/>
-              <a:t>22/05/2023</a:t>
+              <a:t>20/05/2024</a:t>
             </a:r>
             <a:endParaRPr lang="es-ES" dirty="0"/>
           </a:p>
@@ -33997,7 +33997,7 @@
           <a:p>
             <a:r>
               <a:rPr lang="en-US" dirty="0"/>
-              <a:t>22/05/2023</a:t>
+              <a:t>20/05/2024</a:t>
             </a:r>
             <a:endParaRPr lang="es-ES" dirty="0"/>
           </a:p>
@@ -34305,7 +34305,7 @@
           <a:p>
             <a:r>
               <a:rPr lang="en-US" dirty="0"/>
-              <a:t>22/05/2023</a:t>
+              <a:t>20/05/2024</a:t>
             </a:r>
             <a:endParaRPr lang="es-ES" dirty="0"/>
           </a:p>
@@ -35760,7 +35760,7 @@
           <a:p>
             <a:r>
               <a:rPr lang="en-US" dirty="0"/>
-              <a:t>22/05/2023</a:t>
+              <a:t>20/05/2024</a:t>
             </a:r>
             <a:endParaRPr lang="es-ES" dirty="0"/>
           </a:p>
@@ -36088,7 +36088,7 @@
           <a:p>
             <a:r>
               <a:rPr lang="en-US" dirty="0"/>
-              <a:t>22/05/2023</a:t>
+              <a:t>20/05/2024</a:t>
             </a:r>
             <a:endParaRPr lang="es-ES" dirty="0"/>
           </a:p>
@@ -36386,7 +36386,7 @@
           <a:p>
             <a:r>
               <a:rPr lang="en-US" dirty="0"/>
-              <a:t>22/05/2023</a:t>
+              <a:t>20/05/2024</a:t>
             </a:r>
             <a:endParaRPr lang="es-ES" dirty="0"/>
           </a:p>
@@ -36762,7 +36762,7 @@
           <a:p>
             <a:r>
               <a:rPr lang="en-US" dirty="0"/>
-              <a:t>22/05/2023</a:t>
+              <a:t>20/05/2024</a:t>
             </a:r>
             <a:endParaRPr lang="es-ES" dirty="0"/>
           </a:p>
@@ -37060,7 +37060,7 @@
           <a:p>
             <a:r>
               <a:rPr lang="en-US" dirty="0"/>
-              <a:t>22/05/2023</a:t>
+              <a:t>20/05/2024</a:t>
             </a:r>
             <a:endParaRPr lang="es-ES" dirty="0"/>
           </a:p>
@@ -37369,7 +37369,7 @@
           <a:p>
             <a:r>
               <a:rPr lang="en-US" dirty="0"/>
-              <a:t>22/05/2023</a:t>
+              <a:t>20/05/2024</a:t>
             </a:r>
             <a:endParaRPr lang="es-ES" dirty="0"/>
           </a:p>
@@ -37716,7 +37716,7 @@
           <a:p>
             <a:r>
               <a:rPr lang="en-US" dirty="0"/>
-              <a:t>22/05/2023</a:t>
+              <a:t>20/05/2024</a:t>
             </a:r>
             <a:endParaRPr lang="es-ES" dirty="0"/>
           </a:p>
@@ -37952,7 +37952,7 @@
           <a:p>
             <a:r>
               <a:rPr lang="en-US" dirty="0"/>
-              <a:t>22/05/2023</a:t>
+              <a:t>20/05/2024</a:t>
             </a:r>
             <a:endParaRPr lang="es-ES" dirty="0"/>
           </a:p>
@@ -38233,7 +38233,7 @@
           <a:p>
             <a:r>
               <a:rPr lang="en-US" dirty="0"/>
-              <a:t>22/05/2023</a:t>
+              <a:t>20/05/2024</a:t>
             </a:r>
             <a:endParaRPr lang="es-ES" dirty="0"/>
           </a:p>
@@ -38439,7 +38439,7 @@
           <a:p>
             <a:r>
               <a:rPr lang="en-US" dirty="0"/>
-              <a:t>22/05/2023</a:t>
+              <a:t>20/05/2024</a:t>
             </a:r>
             <a:endParaRPr lang="es-ES" dirty="0"/>
           </a:p>
@@ -38867,7 +38867,7 @@
           <a:p>
             <a:r>
               <a:rPr lang="en-US" dirty="0"/>
-              <a:t>22/05/2023</a:t>
+              <a:t>20/05/2024</a:t>
             </a:r>
             <a:endParaRPr lang="es-ES" dirty="0"/>
           </a:p>
@@ -39050,7 +39050,7 @@
           <a:p>
             <a:r>
               <a:rPr lang="en-US" dirty="0"/>
-              <a:t>22/05/2023</a:t>
+              <a:t>20/05/2024</a:t>
             </a:r>
             <a:endParaRPr lang="es-ES" dirty="0"/>
           </a:p>
@@ -39279,7 +39279,7 @@
           <a:p>
             <a:r>
               <a:rPr lang="en-US" dirty="0"/>
-              <a:t>22/05/2023</a:t>
+              <a:t>20/05/2024</a:t>
             </a:r>
             <a:endParaRPr lang="es-ES" dirty="0"/>
           </a:p>
@@ -39538,7 +39538,7 @@
           <a:p>
             <a:r>
               <a:rPr lang="en-US" dirty="0"/>
-              <a:t>22/05/2023</a:t>
+              <a:t>20/05/2024</a:t>
             </a:r>
             <a:endParaRPr lang="es-ES" dirty="0"/>
           </a:p>
@@ -39924,7 +39924,7 @@
           <a:p>
             <a:r>
               <a:rPr lang="en-US" dirty="0"/>
-              <a:t>22/05/2023</a:t>
+              <a:t>20/05/2024</a:t>
             </a:r>
             <a:endParaRPr lang="es-ES" dirty="0"/>
           </a:p>
